--- a/Types of seasons.pptx
+++ b/Types of seasons.pptx
@@ -113,6 +113,11 @@
       </a:defRPr>
     </a:lvl9pPr>
   </p:defaultTextStyle>
+  <p:extLst>
+    <p:ext uri="{EFAFB233-063F-42B5-8137-9DF3F51BA10A}">
+      <p15:sldGuideLst xmlns:p15="http://schemas.microsoft.com/office/powerpoint/2012/main"/>
+    </p:ext>
+  </p:extLst>
 </p:presentation>
 </file>
 
@@ -511,7 +516,11 @@
           <a:lstStyle/>
           <a:p>
             <a:r>
-              <a:rPr lang="en-US" dirty="0" smtClean="0"/>
+              <a:rPr lang="en-US" sz="4000" dirty="0" smtClean="0">
+                <a:solidFill>
+                  <a:schemeClr val="tx1"/>
+                </a:solidFill>
+              </a:rPr>
               <a:t>Summer season</a:t>
             </a:r>
           </a:p>
@@ -631,6 +640,90 @@
     <p:extLst>
       <p:ext uri="{BB962C8B-B14F-4D97-AF65-F5344CB8AC3E}">
         <p14:creationId xmlns:p14="http://schemas.microsoft.com/office/powerpoint/2010/main" val="2002175003"/>
+      </p:ext>
+    </p:extLst>
+  </p:cSld>
+  <p:clrMapOvr>
+    <a:masterClrMapping/>
+  </p:clrMapOvr>
+</p:notes>
+</file>
+
+<file path=ppt/notesSlides/notesSlide3.xml><?xml version="1.0" encoding="utf-8"?>
+<p:notes xmlns:a="http://schemas.openxmlformats.org/drawingml/2006/main" xmlns:r="http://schemas.openxmlformats.org/officeDocument/2006/relationships" xmlns:p="http://schemas.openxmlformats.org/presentationml/2006/main">
+  <p:cSld>
+    <p:spTree>
+      <p:nvGrpSpPr>
+        <p:cNvPr id="1" name=""/>
+        <p:cNvGrpSpPr/>
+        <p:nvPr/>
+      </p:nvGrpSpPr>
+      <p:grpSpPr>
+        <a:xfrm>
+          <a:off x="0" y="0"/>
+          <a:ext cx="0" cy="0"/>
+          <a:chOff x="0" y="0"/>
+          <a:chExt cx="0" cy="0"/>
+        </a:xfrm>
+      </p:grpSpPr>
+      <p:sp>
+        <p:nvSpPr>
+          <p:cNvPr id="2" name="Slide Image Placeholder 1"/>
+          <p:cNvSpPr>
+            <a:spLocks noGrp="1" noRot="1" noChangeAspect="1"/>
+          </p:cNvSpPr>
+          <p:nvPr>
+            <p:ph type="sldImg"/>
+          </p:nvPr>
+        </p:nvSpPr>
+        <p:spPr/>
+      </p:sp>
+      <p:sp>
+        <p:nvSpPr>
+          <p:cNvPr id="3" name="Notes Placeholder 2"/>
+          <p:cNvSpPr>
+            <a:spLocks noGrp="1"/>
+          </p:cNvSpPr>
+          <p:nvPr>
+            <p:ph type="body" idx="1"/>
+          </p:nvPr>
+        </p:nvSpPr>
+        <p:spPr/>
+        <p:txBody>
+          <a:bodyPr/>
+          <a:lstStyle/>
+          <a:p>
+            <a:endParaRPr lang="en-IN" dirty="0"/>
+          </a:p>
+        </p:txBody>
+      </p:sp>
+      <p:sp>
+        <p:nvSpPr>
+          <p:cNvPr id="4" name="Slide Number Placeholder 3"/>
+          <p:cNvSpPr>
+            <a:spLocks noGrp="1"/>
+          </p:cNvSpPr>
+          <p:nvPr>
+            <p:ph type="sldNum" sz="quarter" idx="10"/>
+          </p:nvPr>
+        </p:nvSpPr>
+        <p:spPr/>
+        <p:txBody>
+          <a:bodyPr/>
+          <a:lstStyle/>
+          <a:p>
+            <a:fld id="{F003BB72-B4B8-4812-841A-41813BC47D6E}" type="slidenum">
+              <a:rPr lang="en-IN" smtClean="0"/>
+              <a:t>6</a:t>
+            </a:fld>
+            <a:endParaRPr lang="en-IN"/>
+          </a:p>
+        </p:txBody>
+      </p:sp>
+    </p:spTree>
+    <p:extLst>
+      <p:ext uri="{BB962C8B-B14F-4D97-AF65-F5344CB8AC3E}">
+        <p14:creationId xmlns:p14="http://schemas.microsoft.com/office/powerpoint/2010/main" val="3837203106"/>
       </p:ext>
     </p:extLst>
   </p:cSld>
@@ -3615,7 +3708,7 @@
         </p:blipFill>
         <p:spPr>
           <a:xfrm>
-            <a:off x="2099143" y="1192697"/>
+            <a:off x="2449001" y="1415334"/>
             <a:ext cx="7181353" cy="4143088"/>
           </a:xfrm>
           <a:prstGeom prst="rect">
@@ -3623,6 +3716,59 @@
           </a:prstGeom>
         </p:spPr>
       </p:pic>
+      <p:sp>
+        <p:nvSpPr>
+          <p:cNvPr id="3" name="Title 2"/>
+          <p:cNvSpPr>
+            <a:spLocks noGrp="1"/>
+          </p:cNvSpPr>
+          <p:nvPr>
+            <p:ph type="title"/>
+          </p:nvPr>
+        </p:nvSpPr>
+        <p:spPr>
+          <a:xfrm>
+            <a:off x="838200" y="95417"/>
+            <a:ext cx="10515600" cy="1319917"/>
+          </a:xfrm>
+        </p:spPr>
+        <p:txBody>
+          <a:bodyPr>
+            <a:normAutofit/>
+          </a:bodyPr>
+          <a:lstStyle/>
+          <a:p>
+            <a:r>
+              <a:rPr lang="en-US" sz="5400" dirty="0">
+                <a:latin typeface="Bahnschrift SemiBold" panose="020B0502040204020203" pitchFamily="34" charset="0"/>
+              </a:rPr>
+              <a:t>Summer season</a:t>
+            </a:r>
+            <a:endParaRPr lang="en-IN" sz="5400" dirty="0">
+              <a:latin typeface="Bahnschrift SemiBold" panose="020B0502040204020203" pitchFamily="34" charset="0"/>
+            </a:endParaRPr>
+          </a:p>
+        </p:txBody>
+      </p:sp>
+      <p:sp>
+        <p:nvSpPr>
+          <p:cNvPr id="4" name="Content Placeholder 3"/>
+          <p:cNvSpPr>
+            <a:spLocks noGrp="1"/>
+          </p:cNvSpPr>
+          <p:nvPr>
+            <p:ph idx="1"/>
+          </p:nvPr>
+        </p:nvSpPr>
+        <p:spPr/>
+        <p:txBody>
+          <a:bodyPr/>
+          <a:lstStyle/>
+          <a:p>
+            <a:endParaRPr lang="en-IN"/>
+          </a:p>
+        </p:txBody>
+      </p:sp>
     </p:spTree>
     <p:extLst>
       <p:ext uri="{BB962C8B-B14F-4D97-AF65-F5344CB8AC3E}">
@@ -3684,6 +3830,35 @@
           </a:prstGeom>
         </p:spPr>
       </p:pic>
+      <p:sp>
+        <p:nvSpPr>
+          <p:cNvPr id="3" name="Title 2"/>
+          <p:cNvSpPr>
+            <a:spLocks noGrp="1"/>
+          </p:cNvSpPr>
+          <p:nvPr>
+            <p:ph type="title"/>
+          </p:nvPr>
+        </p:nvSpPr>
+        <p:spPr/>
+        <p:txBody>
+          <a:bodyPr>
+            <a:normAutofit/>
+          </a:bodyPr>
+          <a:lstStyle/>
+          <a:p>
+            <a:r>
+              <a:rPr lang="en-US" sz="4800" dirty="0" smtClean="0">
+                <a:latin typeface="Bahnschrift SemiBold" panose="020B0502040204020203" pitchFamily="34" charset="0"/>
+              </a:rPr>
+              <a:t>Winter season</a:t>
+            </a:r>
+            <a:endParaRPr lang="en-IN" sz="4800" dirty="0">
+              <a:latin typeface="Bahnschrift SemiBold" panose="020B0502040204020203" pitchFamily="34" charset="0"/>
+            </a:endParaRPr>
+          </a:p>
+        </p:txBody>
+      </p:sp>
     </p:spTree>
     <p:extLst>
       <p:ext uri="{BB962C8B-B14F-4D97-AF65-F5344CB8AC3E}">
@@ -3737,7 +3912,7 @@
         </p:blipFill>
         <p:spPr>
           <a:xfrm>
-            <a:off x="2019630" y="1214201"/>
+            <a:off x="2059386" y="1640632"/>
             <a:ext cx="7667708" cy="4285131"/>
           </a:xfrm>
           <a:prstGeom prst="rect">
@@ -3745,6 +3920,40 @@
           </a:prstGeom>
         </p:spPr>
       </p:pic>
+      <p:sp>
+        <p:nvSpPr>
+          <p:cNvPr id="3" name="Title 2"/>
+          <p:cNvSpPr>
+            <a:spLocks noGrp="1"/>
+          </p:cNvSpPr>
+          <p:nvPr>
+            <p:ph type="title"/>
+          </p:nvPr>
+        </p:nvSpPr>
+        <p:spPr>
+          <a:xfrm>
+            <a:off x="838200" y="222637"/>
+            <a:ext cx="10515600" cy="1468051"/>
+          </a:xfrm>
+        </p:spPr>
+        <p:txBody>
+          <a:bodyPr>
+            <a:normAutofit/>
+          </a:bodyPr>
+          <a:lstStyle/>
+          <a:p>
+            <a:r>
+              <a:rPr lang="en-US" sz="4800" dirty="0" smtClean="0">
+                <a:latin typeface="Bahnschrift SemiBold" panose="020B0502040204020203" pitchFamily="34" charset="0"/>
+              </a:rPr>
+              <a:t>Rainy season</a:t>
+            </a:r>
+            <a:endParaRPr lang="en-IN" sz="4800" dirty="0">
+              <a:latin typeface="Bahnschrift SemiBold" panose="020B0502040204020203" pitchFamily="34" charset="0"/>
+            </a:endParaRPr>
+          </a:p>
+        </p:txBody>
+      </p:sp>
     </p:spTree>
     <p:extLst>
       <p:ext uri="{BB962C8B-B14F-4D97-AF65-F5344CB8AC3E}">
@@ -3798,7 +4007,7 @@
         </p:blipFill>
         <p:spPr>
           <a:xfrm>
-            <a:off x="2655736" y="1383527"/>
+            <a:off x="2735249" y="1614115"/>
             <a:ext cx="6284250" cy="4190793"/>
           </a:xfrm>
           <a:prstGeom prst="rect">
@@ -3806,6 +4015,35 @@
           </a:prstGeom>
         </p:spPr>
       </p:pic>
+      <p:sp>
+        <p:nvSpPr>
+          <p:cNvPr id="5" name="Title 4"/>
+          <p:cNvSpPr>
+            <a:spLocks noGrp="1"/>
+          </p:cNvSpPr>
+          <p:nvPr>
+            <p:ph type="title"/>
+          </p:nvPr>
+        </p:nvSpPr>
+        <p:spPr/>
+        <p:txBody>
+          <a:bodyPr>
+            <a:normAutofit/>
+          </a:bodyPr>
+          <a:lstStyle/>
+          <a:p>
+            <a:r>
+              <a:rPr lang="en-US" sz="4800" dirty="0" smtClean="0">
+                <a:latin typeface="Bahnschrift SemiBold" panose="020B0502040204020203" pitchFamily="34" charset="0"/>
+              </a:rPr>
+              <a:t>Autumn season</a:t>
+            </a:r>
+            <a:endParaRPr lang="en-IN" sz="4800" dirty="0">
+              <a:latin typeface="Bahnschrift SemiBold" panose="020B0502040204020203" pitchFamily="34" charset="0"/>
+            </a:endParaRPr>
+          </a:p>
+        </p:txBody>
+      </p:sp>
     </p:spTree>
     <p:extLst>
       <p:ext uri="{BB962C8B-B14F-4D97-AF65-F5344CB8AC3E}">
@@ -3845,7 +4083,7 @@
           <p:nvPr isPhoto="1"/>
         </p:nvPicPr>
         <p:blipFill>
-          <a:blip r:embed="rId2" cstate="print">
+          <a:blip r:embed="rId3" cstate="print">
             <a:lum/>
             <a:extLst>
               <a:ext uri="{28A0092B-C50C-407E-A947-70E740481C1C}">
@@ -3859,7 +4097,7 @@
         </p:blipFill>
         <p:spPr>
           <a:xfrm>
-            <a:off x="2170706" y="1176793"/>
+            <a:off x="2083242" y="1630017"/>
             <a:ext cx="7336403" cy="4585252"/>
           </a:xfrm>
           <a:prstGeom prst="rect">
@@ -3867,6 +4105,35 @@
           </a:prstGeom>
         </p:spPr>
       </p:pic>
+      <p:sp>
+        <p:nvSpPr>
+          <p:cNvPr id="3" name="Title 2"/>
+          <p:cNvSpPr>
+            <a:spLocks noGrp="1"/>
+          </p:cNvSpPr>
+          <p:nvPr>
+            <p:ph type="title"/>
+          </p:nvPr>
+        </p:nvSpPr>
+        <p:spPr/>
+        <p:txBody>
+          <a:bodyPr>
+            <a:normAutofit/>
+          </a:bodyPr>
+          <a:lstStyle/>
+          <a:p>
+            <a:r>
+              <a:rPr lang="en-US" sz="4800" dirty="0" smtClean="0">
+                <a:latin typeface="Bahnschrift SemiBold" panose="020B0502040204020203" pitchFamily="34" charset="0"/>
+              </a:rPr>
+              <a:t>Spring season</a:t>
+            </a:r>
+            <a:endParaRPr lang="en-IN" sz="4800" dirty="0">
+              <a:latin typeface="Bahnschrift SemiBold" panose="020B0502040204020203" pitchFamily="34" charset="0"/>
+            </a:endParaRPr>
+          </a:p>
+        </p:txBody>
+      </p:sp>
     </p:spTree>
     <p:extLst>
       <p:ext uri="{BB962C8B-B14F-4D97-AF65-F5344CB8AC3E}">
